--- a/Thesis Figures/MVM VP2 Structure.pptx
+++ b/Thesis Figures/MVM VP2 Structure.pptx
@@ -291,7 +291,7 @@
           <a:p>
             <a:fld id="{B0EE673A-229F-4F7E-9A8F-07D3293EE998}" type="datetimeFigureOut">
               <a:rPr lang="en-GB" smtClean="0"/>
-              <a:t>23/05/2015</a:t>
+              <a:t>24/06/2015</a:t>
             </a:fld>
             <a:endParaRPr lang="en-GB"/>
           </a:p>
@@ -461,7 +461,7 @@
           <a:p>
             <a:fld id="{B0EE673A-229F-4F7E-9A8F-07D3293EE998}" type="datetimeFigureOut">
               <a:rPr lang="en-GB" smtClean="0"/>
-              <a:t>23/05/2015</a:t>
+              <a:t>24/06/2015</a:t>
             </a:fld>
             <a:endParaRPr lang="en-GB"/>
           </a:p>
@@ -641,7 +641,7 @@
           <a:p>
             <a:fld id="{B0EE673A-229F-4F7E-9A8F-07D3293EE998}" type="datetimeFigureOut">
               <a:rPr lang="en-GB" smtClean="0"/>
-              <a:t>23/05/2015</a:t>
+              <a:t>24/06/2015</a:t>
             </a:fld>
             <a:endParaRPr lang="en-GB"/>
           </a:p>
@@ -811,7 +811,7 @@
           <a:p>
             <a:fld id="{B0EE673A-229F-4F7E-9A8F-07D3293EE998}" type="datetimeFigureOut">
               <a:rPr lang="en-GB" smtClean="0"/>
-              <a:t>23/05/2015</a:t>
+              <a:t>24/06/2015</a:t>
             </a:fld>
             <a:endParaRPr lang="en-GB"/>
           </a:p>
@@ -1057,7 +1057,7 @@
           <a:p>
             <a:fld id="{B0EE673A-229F-4F7E-9A8F-07D3293EE998}" type="datetimeFigureOut">
               <a:rPr lang="en-GB" smtClean="0"/>
-              <a:t>23/05/2015</a:t>
+              <a:t>24/06/2015</a:t>
             </a:fld>
             <a:endParaRPr lang="en-GB"/>
           </a:p>
@@ -1345,7 +1345,7 @@
           <a:p>
             <a:fld id="{B0EE673A-229F-4F7E-9A8F-07D3293EE998}" type="datetimeFigureOut">
               <a:rPr lang="en-GB" smtClean="0"/>
-              <a:t>23/05/2015</a:t>
+              <a:t>24/06/2015</a:t>
             </a:fld>
             <a:endParaRPr lang="en-GB"/>
           </a:p>
@@ -1767,7 +1767,7 @@
           <a:p>
             <a:fld id="{B0EE673A-229F-4F7E-9A8F-07D3293EE998}" type="datetimeFigureOut">
               <a:rPr lang="en-GB" smtClean="0"/>
-              <a:t>23/05/2015</a:t>
+              <a:t>24/06/2015</a:t>
             </a:fld>
             <a:endParaRPr lang="en-GB"/>
           </a:p>
@@ -1885,7 +1885,7 @@
           <a:p>
             <a:fld id="{B0EE673A-229F-4F7E-9A8F-07D3293EE998}" type="datetimeFigureOut">
               <a:rPr lang="en-GB" smtClean="0"/>
-              <a:t>23/05/2015</a:t>
+              <a:t>24/06/2015</a:t>
             </a:fld>
             <a:endParaRPr lang="en-GB"/>
           </a:p>
@@ -1980,7 +1980,7 @@
           <a:p>
             <a:fld id="{B0EE673A-229F-4F7E-9A8F-07D3293EE998}" type="datetimeFigureOut">
               <a:rPr lang="en-GB" smtClean="0"/>
-              <a:t>23/05/2015</a:t>
+              <a:t>24/06/2015</a:t>
             </a:fld>
             <a:endParaRPr lang="en-GB"/>
           </a:p>
@@ -2257,7 +2257,7 @@
           <a:p>
             <a:fld id="{B0EE673A-229F-4F7E-9A8F-07D3293EE998}" type="datetimeFigureOut">
               <a:rPr lang="en-GB" smtClean="0"/>
-              <a:t>23/05/2015</a:t>
+              <a:t>24/06/2015</a:t>
             </a:fld>
             <a:endParaRPr lang="en-GB"/>
           </a:p>
@@ -2510,7 +2510,7 @@
           <a:p>
             <a:fld id="{B0EE673A-229F-4F7E-9A8F-07D3293EE998}" type="datetimeFigureOut">
               <a:rPr lang="en-GB" smtClean="0"/>
-              <a:t>23/05/2015</a:t>
+              <a:t>24/06/2015</a:t>
             </a:fld>
             <a:endParaRPr lang="en-GB"/>
           </a:p>
@@ -2723,7 +2723,7 @@
           <a:p>
             <a:fld id="{B0EE673A-229F-4F7E-9A8F-07D3293EE998}" type="datetimeFigureOut">
               <a:rPr lang="en-GB" smtClean="0"/>
-              <a:t>23/05/2015</a:t>
+              <a:t>24/06/2015</a:t>
             </a:fld>
             <a:endParaRPr lang="en-GB"/>
           </a:p>
@@ -4237,14 +4237,24 @@
           <a:lstStyle/>
           <a:p>
             <a:r>
-              <a:rPr lang="de-CH" sz="1600" b="1" i="1" dirty="0" smtClean="0">
+              <a:rPr lang="de-CH" sz="1600" b="1" i="1" smtClean="0">
                 <a:solidFill>
                   <a:srgbClr val="FFFF00"/>
                 </a:solidFill>
                 <a:latin typeface="Arial" panose="020B0604020202020204" pitchFamily="34" charset="0"/>
                 <a:cs typeface="Arial" panose="020B0604020202020204" pitchFamily="34" charset="0"/>
               </a:rPr>
-              <a:t>Loop 1</a:t>
+              <a:t>Loop </a:t>
+            </a:r>
+            <a:r>
+              <a:rPr lang="de-CH" sz="1600" b="1" i="1" smtClean="0">
+                <a:solidFill>
+                  <a:srgbClr val="FFFF00"/>
+                </a:solidFill>
+                <a:latin typeface="Arial" panose="020B0604020202020204" pitchFamily="34" charset="0"/>
+                <a:cs typeface="Arial" panose="020B0604020202020204" pitchFamily="34" charset="0"/>
+              </a:rPr>
+              <a:t>2</a:t>
             </a:r>
             <a:endParaRPr lang="en-GB" sz="1600" b="1" i="1" dirty="0">
               <a:solidFill>
@@ -4279,14 +4289,24 @@
           <a:lstStyle/>
           <a:p>
             <a:r>
-              <a:rPr lang="de-CH" sz="1600" b="1" i="1" dirty="0" smtClean="0">
+              <a:rPr lang="de-CH" sz="1600" b="1" i="1" smtClean="0">
                 <a:solidFill>
                   <a:srgbClr val="FFFF00"/>
                 </a:solidFill>
                 <a:latin typeface="Arial" panose="020B0604020202020204" pitchFamily="34" charset="0"/>
                 <a:cs typeface="Arial" panose="020B0604020202020204" pitchFamily="34" charset="0"/>
               </a:rPr>
-              <a:t>Loop 2</a:t>
+              <a:t>Loop </a:t>
+            </a:r>
+            <a:r>
+              <a:rPr lang="de-CH" sz="1600" b="1" i="1" smtClean="0">
+                <a:solidFill>
+                  <a:srgbClr val="FFFF00"/>
+                </a:solidFill>
+                <a:latin typeface="Arial" panose="020B0604020202020204" pitchFamily="34" charset="0"/>
+                <a:cs typeface="Arial" panose="020B0604020202020204" pitchFamily="34" charset="0"/>
+              </a:rPr>
+              <a:t>1</a:t>
             </a:r>
             <a:endParaRPr lang="en-GB" sz="1600" b="1" i="1" dirty="0">
               <a:solidFill>
